--- a/papers/Case2016/pictures/pdf/perpendicular.pptx
+++ b/papers/Case2016/pictures/pdf/perpendicular.pptx
@@ -3109,10 +3109,10 @@
           <p:nvPr/>
         </p:nvPicPr>
         <p:blipFill>
-          <a:blip r:embed="rId2">
+          <a:blip r:embed="rId2" cstate="email">
             <a:extLst>
               <a:ext uri="{28A0092B-C50C-407E-A947-70E740481C1C}">
-                <a14:useLocalDpi xmlns:a14="http://schemas.microsoft.com/office/drawing/2010/main" val="0"/>
+                <a14:useLocalDpi xmlns:a14="http://schemas.microsoft.com/office/drawing/2010/main"/>
               </a:ext>
             </a:extLst>
           </a:blip>
@@ -3139,10 +3139,10 @@
           <p:nvPr/>
         </p:nvPicPr>
         <p:blipFill>
-          <a:blip r:embed="rId3">
+          <a:blip r:embed="rId3" cstate="email">
             <a:extLst>
               <a:ext uri="{28A0092B-C50C-407E-A947-70E740481C1C}">
-                <a14:useLocalDpi xmlns:a14="http://schemas.microsoft.com/office/drawing/2010/main" val="0"/>
+                <a14:useLocalDpi xmlns:a14="http://schemas.microsoft.com/office/drawing/2010/main"/>
               </a:ext>
             </a:extLst>
           </a:blip>
@@ -3160,6 +3160,193 @@
           </a:prstGeom>
         </p:spPr>
       </p:pic>
+      <p:sp>
+        <p:nvSpPr>
+          <p:cNvPr id="8" name="Up Arrow 7"/>
+          <p:cNvSpPr/>
+          <p:nvPr/>
+        </p:nvSpPr>
+        <p:spPr>
+          <a:xfrm>
+            <a:off x="3245973" y="4137419"/>
+            <a:ext cx="1869962" cy="2151233"/>
+          </a:xfrm>
+          <a:prstGeom prst="upArrow">
+            <a:avLst/>
+          </a:prstGeom>
+        </p:spPr>
+        <p:style>
+          <a:lnRef idx="1">
+            <a:schemeClr val="accent1"/>
+          </a:lnRef>
+          <a:fillRef idx="3">
+            <a:schemeClr val="accent1"/>
+          </a:fillRef>
+          <a:effectRef idx="2">
+            <a:schemeClr val="accent1"/>
+          </a:effectRef>
+          <a:fontRef idx="minor">
+            <a:schemeClr val="lt1"/>
+          </a:fontRef>
+        </p:style>
+        <p:txBody>
+          <a:bodyPr vert="vert" rtlCol="0" anchor="ctr"/>
+          <a:lstStyle/>
+          <a:p>
+            <a:pPr algn="ctr"/>
+            <a:r>
+              <a:rPr lang="en-US" sz="2800" dirty="0" smtClean="0">
+                <a:solidFill>
+                  <a:schemeClr val="tx1"/>
+                </a:solidFill>
+                <a:latin typeface="Times"/>
+                <a:cs typeface="Times"/>
+              </a:rPr>
+              <a:t>Force Direction</a:t>
+            </a:r>
+            <a:endParaRPr lang="en-US" sz="2800" dirty="0">
+              <a:solidFill>
+                <a:schemeClr val="tx1"/>
+              </a:solidFill>
+              <a:latin typeface="Times"/>
+              <a:cs typeface="Times"/>
+            </a:endParaRPr>
+          </a:p>
+        </p:txBody>
+      </p:sp>
+      <p:sp>
+        <p:nvSpPr>
+          <p:cNvPr id="9" name="Up Arrow 8"/>
+          <p:cNvSpPr/>
+          <p:nvPr/>
+        </p:nvSpPr>
+        <p:spPr>
+          <a:xfrm rot="5400000">
+            <a:off x="6235066" y="4383853"/>
+            <a:ext cx="1869962" cy="2151233"/>
+          </a:xfrm>
+          <a:prstGeom prst="upArrow">
+            <a:avLst/>
+          </a:prstGeom>
+        </p:spPr>
+        <p:style>
+          <a:lnRef idx="1">
+            <a:schemeClr val="accent1"/>
+          </a:lnRef>
+          <a:fillRef idx="3">
+            <a:schemeClr val="accent1"/>
+          </a:fillRef>
+          <a:effectRef idx="2">
+            <a:schemeClr val="accent1"/>
+          </a:effectRef>
+          <a:fontRef idx="minor">
+            <a:schemeClr val="lt1"/>
+          </a:fontRef>
+        </p:style>
+        <p:txBody>
+          <a:bodyPr vert="vert270" rtlCol="0" anchor="ctr"/>
+          <a:lstStyle/>
+          <a:p>
+            <a:pPr algn="ctr"/>
+            <a:r>
+              <a:rPr lang="en-US" sz="2800" dirty="0" smtClean="0">
+                <a:solidFill>
+                  <a:schemeClr val="tx1"/>
+                </a:solidFill>
+                <a:latin typeface="Times"/>
+                <a:cs typeface="Times"/>
+              </a:rPr>
+              <a:t>Force Direction</a:t>
+            </a:r>
+            <a:endParaRPr lang="en-US" sz="2800" dirty="0">
+              <a:solidFill>
+                <a:schemeClr val="tx1"/>
+              </a:solidFill>
+              <a:latin typeface="Times"/>
+              <a:cs typeface="Times"/>
+            </a:endParaRPr>
+          </a:p>
+        </p:txBody>
+      </p:sp>
+      <p:sp>
+        <p:nvSpPr>
+          <p:cNvPr id="10" name="TextBox 9"/>
+          <p:cNvSpPr txBox="1"/>
+          <p:nvPr/>
+        </p:nvSpPr>
+        <p:spPr>
+          <a:xfrm>
+            <a:off x="423388" y="564258"/>
+            <a:ext cx="1199598" cy="677108"/>
+          </a:xfrm>
+          <a:prstGeom prst="rect">
+            <a:avLst/>
+          </a:prstGeom>
+          <a:noFill/>
+        </p:spPr>
+        <p:txBody>
+          <a:bodyPr wrap="square" rtlCol="0">
+            <a:spAutoFit/>
+          </a:bodyPr>
+          <a:lstStyle/>
+          <a:p>
+            <a:r>
+              <a:rPr lang="en-US" sz="3800" dirty="0" smtClean="0">
+                <a:latin typeface="Times"/>
+                <a:cs typeface="Times"/>
+              </a:rPr>
+              <a:t>a)</a:t>
+            </a:r>
+            <a:endParaRPr lang="en-US" sz="3800" dirty="0">
+              <a:latin typeface="Times"/>
+              <a:cs typeface="Times"/>
+            </a:endParaRPr>
+          </a:p>
+        </p:txBody>
+      </p:sp>
+      <p:sp>
+        <p:nvSpPr>
+          <p:cNvPr id="11" name="TextBox 10"/>
+          <p:cNvSpPr txBox="1"/>
+          <p:nvPr/>
+        </p:nvSpPr>
+        <p:spPr>
+          <a:xfrm>
+            <a:off x="6235559" y="564258"/>
+            <a:ext cx="1199598" cy="677108"/>
+          </a:xfrm>
+          <a:prstGeom prst="rect">
+            <a:avLst/>
+          </a:prstGeom>
+          <a:noFill/>
+        </p:spPr>
+        <p:txBody>
+          <a:bodyPr wrap="square" rtlCol="0">
+            <a:spAutoFit/>
+          </a:bodyPr>
+          <a:lstStyle/>
+          <a:p>
+            <a:r>
+              <a:rPr lang="en-US" sz="3800" dirty="0">
+                <a:latin typeface="Times"/>
+                <a:cs typeface="Times"/>
+              </a:rPr>
+              <a:t>b</a:t>
+            </a:r>
+            <a:r>
+              <a:rPr lang="en-US" sz="3800" smtClean="0">
+                <a:latin typeface="Times"/>
+                <a:cs typeface="Times"/>
+              </a:rPr>
+              <a:t>)</a:t>
+            </a:r>
+            <a:endParaRPr lang="en-US" sz="3800" dirty="0">
+              <a:latin typeface="Times"/>
+              <a:cs typeface="Times"/>
+            </a:endParaRPr>
+          </a:p>
+        </p:txBody>
+      </p:sp>
     </p:spTree>
     <p:extLst>
       <p:ext uri="{BB962C8B-B14F-4D97-AF65-F5344CB8AC3E}">
